--- a/first_presentation.pptx
+++ b/first_presentation.pptx
@@ -8,8 +8,11 @@
     <p:sldId id="256" r:id="rId2"/>
     <p:sldId id="257" r:id="rId3"/>
     <p:sldId id="258" r:id="rId4"/>
-    <p:sldId id="259" r:id="rId5"/>
-    <p:sldId id="260" r:id="rId6"/>
+    <p:sldId id="261" r:id="rId5"/>
+    <p:sldId id="262" r:id="rId6"/>
+    <p:sldId id="263" r:id="rId7"/>
+    <p:sldId id="259" r:id="rId8"/>
+    <p:sldId id="260" r:id="rId9"/>
   </p:sldIdLst>
   <p:sldSz cx="12192000" cy="6858000"/>
   <p:notesSz cx="6858000" cy="9144000"/>
@@ -108,6 +111,11 @@
       </a:defRPr>
     </a:lvl9pPr>
   </p:defaultTextStyle>
+  <p:extLst>
+    <p:ext uri="{EFAFB233-063F-42B5-8137-9DF3F51BA10A}">
+      <p15:sldGuideLst xmlns:p15="http://schemas.microsoft.com/office/powerpoint/2012/main"/>
+    </p:ext>
+  </p:extLst>
 </p:presentation>
 </file>
 
@@ -4387,7 +4395,7 @@
           <a:p>
             <a:fld id="{F9FC2014-2460-4EE8-A9C8-196E881B4500}" type="datetimeFigureOut">
               <a:rPr lang="en-US" smtClean="0"/>
-              <a:t>3/1/2022</a:t>
+              <a:t>3/4/2022</a:t>
             </a:fld>
             <a:endParaRPr lang="en-US"/>
           </a:p>
@@ -4654,7 +4662,7 @@
           <a:p>
             <a:fld id="{F9FC2014-2460-4EE8-A9C8-196E881B4500}" type="datetimeFigureOut">
               <a:rPr lang="en-US" smtClean="0"/>
-              <a:t>3/1/2022</a:t>
+              <a:t>3/4/2022</a:t>
             </a:fld>
             <a:endParaRPr lang="en-US"/>
           </a:p>
@@ -4850,7 +4858,7 @@
           <a:p>
             <a:fld id="{F9FC2014-2460-4EE8-A9C8-196E881B4500}" type="datetimeFigureOut">
               <a:rPr lang="en-US" smtClean="0"/>
-              <a:t>3/1/2022</a:t>
+              <a:t>3/4/2022</a:t>
             </a:fld>
             <a:endParaRPr lang="en-US"/>
           </a:p>
@@ -5113,7 +5121,7 @@
           <a:p>
             <a:fld id="{F9FC2014-2460-4EE8-A9C8-196E881B4500}" type="datetimeFigureOut">
               <a:rPr lang="en-US" smtClean="0"/>
-              <a:t>3/1/2022</a:t>
+              <a:t>3/4/2022</a:t>
             </a:fld>
             <a:endParaRPr lang="en-US"/>
           </a:p>
@@ -5547,7 +5555,7 @@
           <a:p>
             <a:fld id="{F9FC2014-2460-4EE8-A9C8-196E881B4500}" type="datetimeFigureOut">
               <a:rPr lang="en-US" smtClean="0"/>
-              <a:t>3/1/2022</a:t>
+              <a:t>3/4/2022</a:t>
             </a:fld>
             <a:endParaRPr lang="en-US"/>
           </a:p>
@@ -6093,7 +6101,7 @@
           <a:p>
             <a:fld id="{F9FC2014-2460-4EE8-A9C8-196E881B4500}" type="datetimeFigureOut">
               <a:rPr lang="en-US" smtClean="0"/>
-              <a:t>3/1/2022</a:t>
+              <a:t>3/4/2022</a:t>
             </a:fld>
             <a:endParaRPr lang="en-US"/>
           </a:p>
@@ -6813,7 +6821,7 @@
           <a:p>
             <a:fld id="{F9FC2014-2460-4EE8-A9C8-196E881B4500}" type="datetimeFigureOut">
               <a:rPr lang="en-US" smtClean="0"/>
-              <a:t>3/1/2022</a:t>
+              <a:t>3/4/2022</a:t>
             </a:fld>
             <a:endParaRPr lang="en-US"/>
           </a:p>
@@ -6983,7 +6991,7 @@
           <a:p>
             <a:fld id="{F9FC2014-2460-4EE8-A9C8-196E881B4500}" type="datetimeFigureOut">
               <a:rPr lang="en-US" smtClean="0"/>
-              <a:t>3/1/2022</a:t>
+              <a:t>3/4/2022</a:t>
             </a:fld>
             <a:endParaRPr lang="en-US"/>
           </a:p>
@@ -7163,7 +7171,7 @@
           <a:p>
             <a:fld id="{F9FC2014-2460-4EE8-A9C8-196E881B4500}" type="datetimeFigureOut">
               <a:rPr lang="en-US" smtClean="0"/>
-              <a:t>3/1/2022</a:t>
+              <a:t>3/4/2022</a:t>
             </a:fld>
             <a:endParaRPr lang="en-US"/>
           </a:p>
@@ -7333,7 +7341,7 @@
           <a:p>
             <a:fld id="{F9FC2014-2460-4EE8-A9C8-196E881B4500}" type="datetimeFigureOut">
               <a:rPr lang="en-US" smtClean="0"/>
-              <a:t>3/1/2022</a:t>
+              <a:t>3/4/2022</a:t>
             </a:fld>
             <a:endParaRPr lang="en-US"/>
           </a:p>
@@ -7583,7 +7591,7 @@
           <a:p>
             <a:fld id="{F9FC2014-2460-4EE8-A9C8-196E881B4500}" type="datetimeFigureOut">
               <a:rPr lang="en-US" smtClean="0"/>
-              <a:t>3/1/2022</a:t>
+              <a:t>3/4/2022</a:t>
             </a:fld>
             <a:endParaRPr lang="en-US"/>
           </a:p>
@@ -7815,7 +7823,7 @@
           <a:p>
             <a:fld id="{F9FC2014-2460-4EE8-A9C8-196E881B4500}" type="datetimeFigureOut">
               <a:rPr lang="en-US" smtClean="0"/>
-              <a:t>3/1/2022</a:t>
+              <a:t>3/4/2022</a:t>
             </a:fld>
             <a:endParaRPr lang="en-US"/>
           </a:p>
@@ -8196,7 +8204,7 @@
           <a:p>
             <a:fld id="{F9FC2014-2460-4EE8-A9C8-196E881B4500}" type="datetimeFigureOut">
               <a:rPr lang="en-US" smtClean="0"/>
-              <a:t>3/1/2022</a:t>
+              <a:t>3/4/2022</a:t>
             </a:fld>
             <a:endParaRPr lang="en-US"/>
           </a:p>
@@ -8314,7 +8322,7 @@
           <a:p>
             <a:fld id="{F9FC2014-2460-4EE8-A9C8-196E881B4500}" type="datetimeFigureOut">
               <a:rPr lang="en-US" smtClean="0"/>
-              <a:t>3/1/2022</a:t>
+              <a:t>3/4/2022</a:t>
             </a:fld>
             <a:endParaRPr lang="en-US"/>
           </a:p>
@@ -8409,7 +8417,7 @@
           <a:p>
             <a:fld id="{F9FC2014-2460-4EE8-A9C8-196E881B4500}" type="datetimeFigureOut">
               <a:rPr lang="en-US" smtClean="0"/>
-              <a:t>3/1/2022</a:t>
+              <a:t>3/4/2022</a:t>
             </a:fld>
             <a:endParaRPr lang="en-US"/>
           </a:p>
@@ -8658,7 +8666,7 @@
           <a:p>
             <a:fld id="{F9FC2014-2460-4EE8-A9C8-196E881B4500}" type="datetimeFigureOut">
               <a:rPr lang="en-US" smtClean="0"/>
-              <a:t>3/1/2022</a:t>
+              <a:t>3/4/2022</a:t>
             </a:fld>
             <a:endParaRPr lang="en-US"/>
           </a:p>
@@ -8938,7 +8946,7 @@
           <a:p>
             <a:fld id="{F9FC2014-2460-4EE8-A9C8-196E881B4500}" type="datetimeFigureOut">
               <a:rPr lang="en-US" smtClean="0"/>
-              <a:t>3/1/2022</a:t>
+              <a:t>3/4/2022</a:t>
             </a:fld>
             <a:endParaRPr lang="en-US"/>
           </a:p>
@@ -12015,7 +12023,7 @@
           <a:p>
             <a:fld id="{F9FC2014-2460-4EE8-A9C8-196E881B4500}" type="datetimeFigureOut">
               <a:rPr lang="en-US" smtClean="0"/>
-              <a:t>3/1/2022</a:t>
+              <a:t>3/4/2022</a:t>
             </a:fld>
             <a:endParaRPr lang="en-US"/>
           </a:p>
@@ -12477,7 +12485,6 @@
               <a:rPr lang="en-US" sz="5400" dirty="0"/>
               <a:t>and t-cell detections</a:t>
             </a:r>
-            <a:endParaRPr lang="en-US" sz="5400" dirty="0"/>
           </a:p>
         </p:txBody>
       </p:sp>
@@ -12579,7 +12586,11 @@
           <a:bodyPr/>
           <a:lstStyle/>
           <a:p>
-            <a:endParaRPr lang="en-US"/>
+            <a:r>
+              <a:rPr lang="fr-CH" dirty="0" smtClean="0"/>
+              <a:t>motivation</a:t>
+            </a:r>
+            <a:endParaRPr lang="en-US" dirty="0"/>
           </a:p>
         </p:txBody>
       </p:sp>
@@ -12593,12 +12604,56 @@
             <p:ph idx="1"/>
           </p:nvPr>
         </p:nvSpPr>
-        <p:spPr/>
+        <p:spPr>
+          <a:xfrm>
+            <a:off x="1141413" y="2097088"/>
+            <a:ext cx="8196551" cy="3541714"/>
+          </a:xfrm>
+        </p:spPr>
         <p:txBody>
           <a:bodyPr/>
           <a:lstStyle/>
           <a:p>
-            <a:endParaRPr lang="en-US"/>
+            <a:r>
+              <a:rPr lang="en-GB" sz="2800" dirty="0" smtClean="0"/>
+              <a:t>Link between </a:t>
+            </a:r>
+            <a:r>
+              <a:rPr lang="en-GB" sz="2800" dirty="0" smtClean="0"/>
+              <a:t>biology/medicine </a:t>
+            </a:r>
+            <a:r>
+              <a:rPr lang="en-GB" sz="2800" dirty="0" smtClean="0"/>
+              <a:t>and </a:t>
+            </a:r>
+            <a:r>
+              <a:rPr lang="en-GB" sz="2800" dirty="0" smtClean="0"/>
+              <a:t>computer science</a:t>
+            </a:r>
+            <a:endParaRPr lang="en-GB" sz="2800" dirty="0" smtClean="0"/>
+          </a:p>
+          <a:p>
+            <a:r>
+              <a:rPr lang="en-GB" sz="2800" dirty="0" smtClean="0"/>
+              <a:t>Learn </a:t>
+            </a:r>
+            <a:r>
+              <a:rPr lang="en-GB" sz="2800" dirty="0" smtClean="0"/>
+              <a:t>python</a:t>
+            </a:r>
+          </a:p>
+          <a:p>
+            <a:r>
+              <a:rPr lang="en-GB" sz="2800" dirty="0" smtClean="0"/>
+              <a:t>Manipulate data</a:t>
+            </a:r>
+            <a:endParaRPr lang="en-GB" sz="2800" dirty="0" smtClean="0"/>
+          </a:p>
+          <a:p>
+            <a:pPr marL="0" indent="0">
+              <a:buNone/>
+            </a:pPr>
+            <a:endParaRPr lang="en-GB" dirty="0"/>
           </a:p>
         </p:txBody>
       </p:sp>
@@ -12642,31 +12697,106 @@
             <p:ph type="title"/>
           </p:nvPr>
         </p:nvSpPr>
-        <p:spPr/>
+        <p:spPr>
+          <a:xfrm>
+            <a:off x="1141413" y="618518"/>
+            <a:ext cx="2590078" cy="1478570"/>
+          </a:xfrm>
+        </p:spPr>
         <p:txBody>
           <a:bodyPr/>
           <a:lstStyle/>
           <a:p>
-            <a:endParaRPr lang="en-US"/>
+            <a:r>
+              <a:rPr lang="en-US" dirty="0" smtClean="0"/>
+              <a:t>qupath</a:t>
+            </a:r>
+            <a:endParaRPr lang="en-US" dirty="0"/>
+          </a:p>
+        </p:txBody>
+      </p:sp>
+      <p:pic>
+        <p:nvPicPr>
+          <p:cNvPr id="4" name="Content Placeholder 3"/>
+          <p:cNvPicPr>
+            <a:picLocks noGrp="1" noChangeAspect="1"/>
+          </p:cNvPicPr>
+          <p:nvPr>
+            <p:ph idx="1"/>
+          </p:nvPr>
+        </p:nvPicPr>
+        <p:blipFill>
+          <a:blip r:embed="rId2"/>
+          <a:stretch>
+            <a:fillRect/>
+          </a:stretch>
+        </p:blipFill>
+        <p:spPr>
+          <a:xfrm>
+            <a:off x="1235961" y="1856509"/>
+            <a:ext cx="9569119" cy="4391891"/>
+          </a:xfrm>
+          <a:prstGeom prst="rect">
+            <a:avLst/>
+          </a:prstGeom>
+        </p:spPr>
+      </p:pic>
+      <p:sp>
+        <p:nvSpPr>
+          <p:cNvPr id="8" name="TextBox 7"/>
+          <p:cNvSpPr txBox="1"/>
+          <p:nvPr/>
+        </p:nvSpPr>
+        <p:spPr>
+          <a:xfrm>
+            <a:off x="5569527" y="711200"/>
+            <a:ext cx="723660" cy="369332"/>
+          </a:xfrm>
+          <a:prstGeom prst="rect">
+            <a:avLst/>
+          </a:prstGeom>
+          <a:noFill/>
+        </p:spPr>
+        <p:txBody>
+          <a:bodyPr wrap="none" rtlCol="0">
+            <a:spAutoFit/>
+          </a:bodyPr>
+          <a:lstStyle/>
+          <a:p>
+            <a:r>
+              <a:rPr lang="en-GB" dirty="0" err="1" smtClean="0"/>
+              <a:t>Tumor</a:t>
+            </a:r>
+            <a:endParaRPr lang="en-GB" dirty="0" smtClean="0"/>
           </a:p>
         </p:txBody>
       </p:sp>
       <p:sp>
         <p:nvSpPr>
-          <p:cNvPr id="3" name="Content Placeholder 2"/>
-          <p:cNvSpPr>
-            <a:spLocks noGrp="1"/>
-          </p:cNvSpPr>
-          <p:nvPr>
-            <p:ph idx="1"/>
-          </p:nvPr>
+          <p:cNvPr id="9" name="TextBox 8"/>
+          <p:cNvSpPr txBox="1"/>
+          <p:nvPr/>
         </p:nvSpPr>
-        <p:spPr/>
+        <p:spPr>
+          <a:xfrm>
+            <a:off x="7416800" y="942109"/>
+            <a:ext cx="909160" cy="369332"/>
+          </a:xfrm>
+          <a:prstGeom prst="rect">
+            <a:avLst/>
+          </a:prstGeom>
+          <a:noFill/>
+        </p:spPr>
         <p:txBody>
-          <a:bodyPr/>
+          <a:bodyPr wrap="none" rtlCol="0">
+            <a:spAutoFit/>
+          </a:bodyPr>
           <a:lstStyle/>
           <a:p>
-            <a:endParaRPr lang="en-US"/>
+            <a:r>
+              <a:rPr lang="en-GB" dirty="0" smtClean="0"/>
+              <a:t>Polygon</a:t>
+            </a:r>
           </a:p>
         </p:txBody>
       </p:sp>
@@ -12716,21 +12846,118 @@
           <a:lstStyle/>
           <a:p>
             <a:r>
-              <a:rPr lang="fr-CH" dirty="0" err="1" smtClean="0"/>
-              <a:t>Timeline</a:t>
+              <a:rPr lang="en-GB" dirty="0" smtClean="0"/>
+              <a:t>goal</a:t>
             </a:r>
-            <a:endParaRPr lang="en-US" dirty="0"/>
+            <a:endParaRPr lang="en-GB" dirty="0"/>
           </a:p>
         </p:txBody>
       </p:sp>
       <p:sp>
         <p:nvSpPr>
-          <p:cNvPr id="3" name="Content Placeholder 2"/>
+          <p:cNvPr id="3" name="TextBox 2"/>
+          <p:cNvSpPr txBox="1"/>
+          <p:nvPr/>
+        </p:nvSpPr>
+        <p:spPr>
+          <a:xfrm>
+            <a:off x="1141413" y="2032000"/>
+            <a:ext cx="3165675" cy="461665"/>
+          </a:xfrm>
+          <a:prstGeom prst="rect">
+            <a:avLst/>
+          </a:prstGeom>
+          <a:noFill/>
+        </p:spPr>
+        <p:txBody>
+          <a:bodyPr wrap="none" rtlCol="0">
+            <a:spAutoFit/>
+          </a:bodyPr>
+          <a:lstStyle/>
+          <a:p>
+            <a:r>
+              <a:rPr lang="en-GB" sz="2400" dirty="0" smtClean="0"/>
+              <a:t>JSON file (from </a:t>
+            </a:r>
+            <a:r>
+              <a:rPr lang="en-GB" sz="2400" dirty="0" err="1" smtClean="0"/>
+              <a:t>QuPath</a:t>
+            </a:r>
+            <a:r>
+              <a:rPr lang="en-GB" sz="2400" dirty="0" smtClean="0"/>
+              <a:t>)</a:t>
+            </a:r>
+          </a:p>
+        </p:txBody>
+      </p:sp>
+      <p:sp>
+        <p:nvSpPr>
+          <p:cNvPr id="4" name="TextBox 3"/>
+          <p:cNvSpPr txBox="1"/>
+          <p:nvPr/>
+        </p:nvSpPr>
+        <p:spPr>
+          <a:xfrm>
+            <a:off x="8636000" y="2031999"/>
+            <a:ext cx="1186543" cy="461665"/>
+          </a:xfrm>
+          <a:prstGeom prst="rect">
+            <a:avLst/>
+          </a:prstGeom>
+          <a:noFill/>
+        </p:spPr>
+        <p:txBody>
+          <a:bodyPr wrap="none" rtlCol="0">
+            <a:spAutoFit/>
+          </a:bodyPr>
+          <a:lstStyle/>
+          <a:p>
+            <a:r>
+              <a:rPr lang="en-GB" sz="2400" dirty="0" smtClean="0"/>
+              <a:t>XML file</a:t>
+            </a:r>
+            <a:endParaRPr lang="en-GB" sz="2400" dirty="0"/>
+          </a:p>
+        </p:txBody>
+      </p:sp>
+    </p:spTree>
+    <p:extLst>
+      <p:ext uri="{BB962C8B-B14F-4D97-AF65-F5344CB8AC3E}">
+        <p14:creationId xmlns:p14="http://schemas.microsoft.com/office/powerpoint/2010/main" val="88977967"/>
+      </p:ext>
+    </p:extLst>
+  </p:cSld>
+  <p:clrMapOvr>
+    <a:masterClrMapping/>
+  </p:clrMapOvr>
+</p:sld>
+</file>
+
+<file path=ppt/slides/slide5.xml><?xml version="1.0" encoding="utf-8"?>
+<p:sld xmlns:a="http://schemas.openxmlformats.org/drawingml/2006/main" xmlns:r="http://schemas.openxmlformats.org/officeDocument/2006/relationships" xmlns:p="http://schemas.openxmlformats.org/presentationml/2006/main">
+  <p:cSld>
+    <p:spTree>
+      <p:nvGrpSpPr>
+        <p:cNvPr id="1" name=""/>
+        <p:cNvGrpSpPr/>
+        <p:nvPr/>
+      </p:nvGrpSpPr>
+      <p:grpSpPr>
+        <a:xfrm>
+          <a:off x="0" y="0"/>
+          <a:ext cx="0" cy="0"/>
+          <a:chOff x="0" y="0"/>
+          <a:chExt cx="0" cy="0"/>
+        </a:xfrm>
+      </p:grpSpPr>
+      <p:sp>
+        <p:nvSpPr>
+          <p:cNvPr id="2" name="Title 1"/>
           <p:cNvSpPr>
             <a:spLocks noGrp="1"/>
           </p:cNvSpPr>
           <p:nvPr>
-            <p:ph idx="1"/>
+            <p:ph type="title"/>
           </p:nvPr>
         </p:nvSpPr>
         <p:spPr/>
@@ -12738,10 +12965,416 @@
           <a:bodyPr/>
           <a:lstStyle/>
           <a:p>
-            <a:endParaRPr lang="en-US"/>
+            <a:r>
+              <a:rPr lang="en-GB" dirty="0" smtClean="0"/>
+              <a:t>Asap</a:t>
+            </a:r>
+            <a:endParaRPr lang="en-GB" dirty="0"/>
           </a:p>
         </p:txBody>
       </p:sp>
+      <p:sp>
+        <p:nvSpPr>
+          <p:cNvPr id="4" name="TextBox 3"/>
+          <p:cNvSpPr txBox="1"/>
+          <p:nvPr/>
+        </p:nvSpPr>
+        <p:spPr>
+          <a:xfrm>
+            <a:off x="1141413" y="1635423"/>
+            <a:ext cx="3373039" cy="461665"/>
+          </a:xfrm>
+          <a:prstGeom prst="rect">
+            <a:avLst/>
+          </a:prstGeom>
+          <a:noFill/>
+        </p:spPr>
+        <p:txBody>
+          <a:bodyPr wrap="none" rtlCol="0">
+            <a:spAutoFit/>
+          </a:bodyPr>
+          <a:lstStyle/>
+          <a:p>
+            <a:r>
+              <a:rPr lang="en-GB" sz="2400" dirty="0" smtClean="0"/>
+              <a:t>Visualisation using xml file</a:t>
+            </a:r>
+            <a:endParaRPr lang="en-GB" sz="2400" dirty="0"/>
+          </a:p>
+        </p:txBody>
+      </p:sp>
+    </p:spTree>
+    <p:extLst>
+      <p:ext uri="{BB962C8B-B14F-4D97-AF65-F5344CB8AC3E}">
+        <p14:creationId xmlns:p14="http://schemas.microsoft.com/office/powerpoint/2010/main" val="1923145599"/>
+      </p:ext>
+    </p:extLst>
+  </p:cSld>
+  <p:clrMapOvr>
+    <a:masterClrMapping/>
+  </p:clrMapOvr>
+</p:sld>
+</file>
+
+<file path=ppt/slides/slide6.xml><?xml version="1.0" encoding="utf-8"?>
+<p:sld xmlns:a="http://schemas.openxmlformats.org/drawingml/2006/main" xmlns:r="http://schemas.openxmlformats.org/officeDocument/2006/relationships" xmlns:p="http://schemas.openxmlformats.org/presentationml/2006/main">
+  <p:cSld>
+    <p:spTree>
+      <p:nvGrpSpPr>
+        <p:cNvPr id="1" name=""/>
+        <p:cNvGrpSpPr/>
+        <p:nvPr/>
+      </p:nvGrpSpPr>
+      <p:grpSpPr>
+        <a:xfrm>
+          <a:off x="0" y="0"/>
+          <a:ext cx="0" cy="0"/>
+          <a:chOff x="0" y="0"/>
+          <a:chExt cx="0" cy="0"/>
+        </a:xfrm>
+      </p:grpSpPr>
+      <p:sp>
+        <p:nvSpPr>
+          <p:cNvPr id="2" name="Title 1"/>
+          <p:cNvSpPr>
+            <a:spLocks noGrp="1"/>
+          </p:cNvSpPr>
+          <p:nvPr>
+            <p:ph type="title"/>
+          </p:nvPr>
+        </p:nvSpPr>
+        <p:spPr/>
+        <p:txBody>
+          <a:bodyPr/>
+          <a:lstStyle/>
+          <a:p>
+            <a:r>
+              <a:rPr lang="en-GB" dirty="0" smtClean="0"/>
+              <a:t>excel</a:t>
+            </a:r>
+            <a:endParaRPr lang="en-GB" dirty="0"/>
+          </a:p>
+        </p:txBody>
+      </p:sp>
+      <p:sp>
+        <p:nvSpPr>
+          <p:cNvPr id="4" name="TextBox 3"/>
+          <p:cNvSpPr txBox="1"/>
+          <p:nvPr/>
+        </p:nvSpPr>
+        <p:spPr>
+          <a:xfrm>
+            <a:off x="1141413" y="1635423"/>
+            <a:ext cx="2375971" cy="461665"/>
+          </a:xfrm>
+          <a:prstGeom prst="rect">
+            <a:avLst/>
+          </a:prstGeom>
+          <a:noFill/>
+        </p:spPr>
+        <p:txBody>
+          <a:bodyPr wrap="none" rtlCol="0">
+            <a:spAutoFit/>
+          </a:bodyPr>
+          <a:lstStyle/>
+          <a:p>
+            <a:r>
+              <a:rPr lang="en-GB" sz="2400" dirty="0" smtClean="0"/>
+              <a:t>JSON file to .CSV</a:t>
+            </a:r>
+            <a:endParaRPr lang="en-GB" sz="2400" dirty="0"/>
+          </a:p>
+        </p:txBody>
+      </p:sp>
+    </p:spTree>
+    <p:extLst>
+      <p:ext uri="{BB962C8B-B14F-4D97-AF65-F5344CB8AC3E}">
+        <p14:creationId xmlns:p14="http://schemas.microsoft.com/office/powerpoint/2010/main" val="3005390321"/>
+      </p:ext>
+    </p:extLst>
+  </p:cSld>
+  <p:clrMapOvr>
+    <a:masterClrMapping/>
+  </p:clrMapOvr>
+</p:sld>
+</file>
+
+<file path=ppt/slides/slide7.xml><?xml version="1.0" encoding="utf-8"?>
+<p:sld xmlns:a="http://schemas.openxmlformats.org/drawingml/2006/main" xmlns:r="http://schemas.openxmlformats.org/officeDocument/2006/relationships" xmlns:p="http://schemas.openxmlformats.org/presentationml/2006/main">
+  <p:cSld>
+    <p:spTree>
+      <p:nvGrpSpPr>
+        <p:cNvPr id="1" name=""/>
+        <p:cNvGrpSpPr/>
+        <p:nvPr/>
+      </p:nvGrpSpPr>
+      <p:grpSpPr>
+        <a:xfrm>
+          <a:off x="0" y="0"/>
+          <a:ext cx="0" cy="0"/>
+          <a:chOff x="0" y="0"/>
+          <a:chExt cx="0" cy="0"/>
+        </a:xfrm>
+      </p:grpSpPr>
+      <p:sp>
+        <p:nvSpPr>
+          <p:cNvPr id="2" name="Title 1"/>
+          <p:cNvSpPr>
+            <a:spLocks noGrp="1"/>
+          </p:cNvSpPr>
+          <p:nvPr>
+            <p:ph type="title"/>
+          </p:nvPr>
+        </p:nvSpPr>
+        <p:spPr/>
+        <p:txBody>
+          <a:bodyPr/>
+          <a:lstStyle/>
+          <a:p>
+            <a:r>
+              <a:rPr lang="fr-CH" dirty="0" err="1" smtClean="0"/>
+              <a:t>Timeline</a:t>
+            </a:r>
+            <a:endParaRPr lang="en-US" dirty="0"/>
+          </a:p>
+        </p:txBody>
+      </p:sp>
+      <p:graphicFrame>
+        <p:nvGraphicFramePr>
+          <p:cNvPr id="4" name="Content Placeholder 3"/>
+          <p:cNvGraphicFramePr>
+            <a:graphicFrameLocks noGrp="1"/>
+          </p:cNvGraphicFramePr>
+          <p:nvPr>
+            <p:ph idx="1"/>
+            <p:extLst>
+              <p:ext uri="{D42A27DB-BD31-4B8C-83A1-F6EECF244321}">
+                <p14:modId xmlns:p14="http://schemas.microsoft.com/office/powerpoint/2010/main" val="776787517"/>
+              </p:ext>
+            </p:extLst>
+          </p:nvPr>
+        </p:nvGraphicFramePr>
+        <p:xfrm>
+          <a:off x="1141413" y="2249488"/>
+          <a:ext cx="9906000" cy="2347329"/>
+        </p:xfrm>
+        <a:graphic>
+          <a:graphicData uri="http://schemas.openxmlformats.org/drawingml/2006/table">
+            <a:tbl>
+              <a:tblPr>
+                <a:tableStyleId>{16D9F66E-5EB9-4882-86FB-DCBF35E3C3E4}</a:tableStyleId>
+              </a:tblPr>
+              <a:tblGrid>
+                <a:gridCol w="3302000">
+                  <a:extLst>
+                    <a:ext uri="{9D8B030D-6E8A-4147-A177-3AD203B41FA5}">
+                      <a16:colId xmlns:a16="http://schemas.microsoft.com/office/drawing/2014/main" val="3689043619"/>
+                    </a:ext>
+                  </a:extLst>
+                </a:gridCol>
+                <a:gridCol w="3302000">
+                  <a:extLst>
+                    <a:ext uri="{9D8B030D-6E8A-4147-A177-3AD203B41FA5}">
+                      <a16:colId xmlns:a16="http://schemas.microsoft.com/office/drawing/2014/main" val="3151136255"/>
+                    </a:ext>
+                  </a:extLst>
+                </a:gridCol>
+                <a:gridCol w="3302000">
+                  <a:extLst>
+                    <a:ext uri="{9D8B030D-6E8A-4147-A177-3AD203B41FA5}">
+                      <a16:colId xmlns:a16="http://schemas.microsoft.com/office/drawing/2014/main" val="636970231"/>
+                    </a:ext>
+                  </a:extLst>
+                </a:gridCol>
+              </a:tblGrid>
+              <a:tr h="569083">
+                <a:tc>
+                  <a:txBody>
+                    <a:bodyPr/>
+                    <a:lstStyle/>
+                    <a:p>
+                      <a:pPr algn="ctr"/>
+                      <a:r>
+                        <a:rPr lang="en-GB" dirty="0" smtClean="0"/>
+                        <a:t>Preparation/Introduction</a:t>
+                      </a:r>
+                      <a:r>
+                        <a:rPr lang="en-GB" baseline="0" dirty="0" smtClean="0"/>
+                        <a:t> to the subject</a:t>
+                      </a:r>
+                      <a:endParaRPr lang="en-GB" dirty="0"/>
+                    </a:p>
+                  </a:txBody>
+                  <a:tcPr/>
+                </a:tc>
+                <a:tc>
+                  <a:txBody>
+                    <a:bodyPr/>
+                    <a:lstStyle/>
+                    <a:p>
+                      <a:pPr algn="ctr"/>
+                      <a:endParaRPr lang="en-GB" dirty="0"/>
+                    </a:p>
+                  </a:txBody>
+                  <a:tcPr/>
+                </a:tc>
+                <a:tc>
+                  <a:txBody>
+                    <a:bodyPr/>
+                    <a:lstStyle/>
+                    <a:p>
+                      <a:pPr algn="ctr"/>
+                      <a:endParaRPr lang="en-GB"/>
+                    </a:p>
+                  </a:txBody>
+                  <a:tcPr/>
+                </a:tc>
+                <a:extLst>
+                  <a:ext uri="{0D108BD9-81ED-4DB2-BD59-A6C34878D82A}">
+                    <a16:rowId xmlns:a16="http://schemas.microsoft.com/office/drawing/2014/main" val="56540283"/>
+                  </a:ext>
+                </a:extLst>
+              </a:tr>
+              <a:tr h="569083">
+                <a:tc>
+                  <a:txBody>
+                    <a:bodyPr/>
+                    <a:lstStyle/>
+                    <a:p>
+                      <a:pPr algn="ctr"/>
+                      <a:r>
+                        <a:rPr lang="en-GB" dirty="0" smtClean="0"/>
+                        <a:t>Part</a:t>
+                      </a:r>
+                      <a:r>
+                        <a:rPr lang="en-GB" baseline="0" dirty="0" smtClean="0"/>
+                        <a:t> 1 : JSON to XML</a:t>
+                      </a:r>
+                      <a:endParaRPr lang="en-GB" dirty="0"/>
+                    </a:p>
+                  </a:txBody>
+                  <a:tcPr/>
+                </a:tc>
+                <a:tc>
+                  <a:txBody>
+                    <a:bodyPr/>
+                    <a:lstStyle/>
+                    <a:p>
+                      <a:pPr algn="ctr"/>
+                      <a:endParaRPr lang="en-GB"/>
+                    </a:p>
+                  </a:txBody>
+                  <a:tcPr/>
+                </a:tc>
+                <a:tc>
+                  <a:txBody>
+                    <a:bodyPr/>
+                    <a:lstStyle/>
+                    <a:p>
+                      <a:pPr algn="ctr"/>
+                      <a:endParaRPr lang="en-GB"/>
+                    </a:p>
+                  </a:txBody>
+                  <a:tcPr/>
+                </a:tc>
+                <a:extLst>
+                  <a:ext uri="{0D108BD9-81ED-4DB2-BD59-A6C34878D82A}">
+                    <a16:rowId xmlns:a16="http://schemas.microsoft.com/office/drawing/2014/main" val="2855969578"/>
+                  </a:ext>
+                </a:extLst>
+              </a:tr>
+              <a:tr h="569083">
+                <a:tc>
+                  <a:txBody>
+                    <a:bodyPr/>
+                    <a:lstStyle/>
+                    <a:p>
+                      <a:pPr algn="ctr"/>
+                      <a:r>
+                        <a:rPr lang="en-GB" dirty="0" smtClean="0"/>
+                        <a:t>Part 2 : JSON to EXCEL</a:t>
+                      </a:r>
+                      <a:endParaRPr lang="en-GB" dirty="0"/>
+                    </a:p>
+                  </a:txBody>
+                  <a:tcPr/>
+                </a:tc>
+                <a:tc>
+                  <a:txBody>
+                    <a:bodyPr/>
+                    <a:lstStyle/>
+                    <a:p>
+                      <a:pPr algn="ctr"/>
+                      <a:endParaRPr lang="en-GB"/>
+                    </a:p>
+                  </a:txBody>
+                  <a:tcPr/>
+                </a:tc>
+                <a:tc>
+                  <a:txBody>
+                    <a:bodyPr/>
+                    <a:lstStyle/>
+                    <a:p>
+                      <a:pPr algn="ctr"/>
+                      <a:endParaRPr lang="en-GB"/>
+                    </a:p>
+                  </a:txBody>
+                  <a:tcPr/>
+                </a:tc>
+                <a:extLst>
+                  <a:ext uri="{0D108BD9-81ED-4DB2-BD59-A6C34878D82A}">
+                    <a16:rowId xmlns:a16="http://schemas.microsoft.com/office/drawing/2014/main" val="3914153427"/>
+                  </a:ext>
+                </a:extLst>
+              </a:tr>
+              <a:tr h="569083">
+                <a:tc>
+                  <a:txBody>
+                    <a:bodyPr/>
+                    <a:lstStyle/>
+                    <a:p>
+                      <a:pPr algn="ctr"/>
+                      <a:r>
+                        <a:rPr lang="en-GB" dirty="0" smtClean="0"/>
+                        <a:t>Part 3 : Writing</a:t>
+                      </a:r>
+                      <a:endParaRPr lang="en-GB" dirty="0"/>
+                    </a:p>
+                  </a:txBody>
+                  <a:tcPr/>
+                </a:tc>
+                <a:tc>
+                  <a:txBody>
+                    <a:bodyPr/>
+                    <a:lstStyle/>
+                    <a:p>
+                      <a:pPr algn="ctr"/>
+                      <a:endParaRPr lang="en-GB" dirty="0"/>
+                    </a:p>
+                  </a:txBody>
+                  <a:tcPr/>
+                </a:tc>
+                <a:tc>
+                  <a:txBody>
+                    <a:bodyPr/>
+                    <a:lstStyle/>
+                    <a:p>
+                      <a:pPr algn="ctr"/>
+                      <a:endParaRPr lang="en-GB" dirty="0"/>
+                    </a:p>
+                  </a:txBody>
+                  <a:tcPr/>
+                </a:tc>
+                <a:extLst>
+                  <a:ext uri="{0D108BD9-81ED-4DB2-BD59-A6C34878D82A}">
+                    <a16:rowId xmlns:a16="http://schemas.microsoft.com/office/drawing/2014/main" val="1770465685"/>
+                  </a:ext>
+                </a:extLst>
+              </a:tr>
+            </a:tbl>
+          </a:graphicData>
+        </a:graphic>
+      </p:graphicFrame>
     </p:spTree>
     <p:extLst>
       <p:ext uri="{BB962C8B-B14F-4D97-AF65-F5344CB8AC3E}">
@@ -12755,7 +13388,7 @@
 </p:sld>
 </file>
 
-<file path=ppt/slides/slide5.xml><?xml version="1.0" encoding="utf-8"?>
+<file path=ppt/slides/slide8.xml><?xml version="1.0" encoding="utf-8"?>
 <p:sld xmlns:a="http://schemas.openxmlformats.org/drawingml/2006/main" xmlns:r="http://schemas.openxmlformats.org/officeDocument/2006/relationships" xmlns:p="http://schemas.openxmlformats.org/presentationml/2006/main">
   <p:cSld>
     <p:spTree>

--- a/first_presentation.pptx
+++ b/first_presentation.pptx
@@ -12606,8 +12606,8 @@
         </p:nvSpPr>
         <p:spPr>
           <a:xfrm>
-            <a:off x="1141413" y="2097088"/>
-            <a:ext cx="8196551" cy="3541714"/>
+            <a:off x="1141413" y="1856942"/>
+            <a:ext cx="8196551" cy="2594985"/>
           </a:xfrm>
         </p:spPr>
         <p:txBody>
@@ -12750,7 +12750,7 @@
         <p:spPr>
           <a:xfrm>
             <a:off x="5569527" y="711200"/>
-            <a:ext cx="723660" cy="369332"/>
+            <a:ext cx="1023101" cy="523220"/>
           </a:xfrm>
           <a:prstGeom prst="rect">
             <a:avLst/>
@@ -12764,7 +12764,7 @@
           <a:lstStyle/>
           <a:p>
             <a:r>
-              <a:rPr lang="en-GB" dirty="0" err="1" smtClean="0"/>
+              <a:rPr lang="en-GB" sz="2800" dirty="0" err="1" smtClean="0"/>
               <a:t>Tumor</a:t>
             </a:r>
             <a:endParaRPr lang="en-GB" dirty="0" smtClean="0"/>
@@ -12780,7 +12780,7 @@
         <p:spPr>
           <a:xfrm>
             <a:off x="7416800" y="942109"/>
-            <a:ext cx="909160" cy="369332"/>
+            <a:ext cx="1312154" cy="523220"/>
           </a:xfrm>
           <a:prstGeom prst="rect">
             <a:avLst/>
@@ -12794,9 +12794,10 @@
           <a:lstStyle/>
           <a:p>
             <a:r>
-              <a:rPr lang="en-GB" dirty="0" smtClean="0"/>
+              <a:rPr lang="en-GB" sz="2800" dirty="0" smtClean="0"/>
               <a:t>Polygon</a:t>
             </a:r>
+            <a:endParaRPr lang="en-GB" dirty="0" smtClean="0"/>
           </a:p>
         </p:txBody>
       </p:sp>
@@ -12861,7 +12862,7 @@
         </p:nvSpPr>
         <p:spPr>
           <a:xfrm>
-            <a:off x="1141413" y="2032000"/>
+            <a:off x="1141413" y="1754915"/>
             <a:ext cx="3165675" cy="461665"/>
           </a:xfrm>
           <a:prstGeom prst="rect">
@@ -12898,7 +12899,7 @@
         </p:nvSpPr>
         <p:spPr>
           <a:xfrm>
-            <a:off x="8636000" y="2031999"/>
+            <a:off x="8636000" y="1754914"/>
             <a:ext cx="1186543" cy="461665"/>
           </a:xfrm>
           <a:prstGeom prst="rect">
